--- a/Final_Project_Kickoff.pptx
+++ b/Final_Project_Kickoff.pptx
@@ -299,6 +299,27 @@
     </p:ext>
   </p:extLst>
 </p:presentation>
+</file>
+
+<file path=ppt/changesInfos/changesInfo1.xml><?xml version="1.0" encoding="utf-8"?>
+<pc:chgInfo xmlns:a="http://schemas.openxmlformats.org/drawingml/2006/main" xmlns:r="http://schemas.openxmlformats.org/officeDocument/2006/relationships" xmlns:ac="http://schemas.microsoft.com/office/drawing/2013/main/command" xmlns:pc="http://schemas.microsoft.com/office/powerpoint/2013/main/command">
+  <pc:docChgLst>
+    <pc:chgData name="Alyssa Anson-Cartwright" userId="526331f00a8be607" providerId="LiveId" clId="{3EBAEE1A-3F7B-4266-B8F5-58D13AFAF7F0}"/>
+    <pc:docChg chg="modSld sldOrd">
+      <pc:chgData name="Alyssa Anson-Cartwright" userId="526331f00a8be607" providerId="LiveId" clId="{3EBAEE1A-3F7B-4266-B8F5-58D13AFAF7F0}" dt="2024-09-18T23:05:02.066" v="1"/>
+      <pc:docMkLst>
+        <pc:docMk/>
+      </pc:docMkLst>
+      <pc:sldChg chg="ord">
+        <pc:chgData name="Alyssa Anson-Cartwright" userId="526331f00a8be607" providerId="LiveId" clId="{3EBAEE1A-3F7B-4266-B8F5-58D13AFAF7F0}" dt="2024-09-18T23:05:02.066" v="1"/>
+        <pc:sldMkLst>
+          <pc:docMk/>
+          <pc:sldMk cId="0" sldId="256"/>
+        </pc:sldMkLst>
+      </pc:sldChg>
+    </pc:docChg>
+  </pc:docChgLst>
+</pc:chgInfo>
 </file>
 
 <file path=ppt/notesMasters/notesMaster1.xml><?xml version="1.0" encoding="utf-8"?>
